--- a/clases/Cap03_Seleccion_de_Caracteristicas/presentations/PAT03_FeatureSelection_Intro.pptx
+++ b/clases/Cap03_Seleccion_de_Caracteristicas/presentations/PAT03_FeatureSelection_Intro.pptx
@@ -220,7 +220,7 @@
           <a:p>
             <a:fld id="{A31E74E5-43EB-8941-84E7-E76CE2DEF1CC}" type="datetimeFigureOut">
               <a:rPr lang="en-US" smtClean="0"/>
-              <a:t>4/11/17</a:t>
+              <a:t>3/11/19</a:t>
             </a:fld>
             <a:endParaRPr lang="en-US"/>
           </a:p>
@@ -757,7 +757,7 @@
           <a:p>
             <a:fld id="{8BD5799D-8AC1-7647-9F4D-35F314575207}" type="datetimeFigureOut">
               <a:rPr lang="en-US" smtClean="0"/>
-              <a:t>4/11/17</a:t>
+              <a:t>3/11/19</a:t>
             </a:fld>
             <a:endParaRPr lang="en-US"/>
           </a:p>
@@ -927,7 +927,7 @@
           <a:p>
             <a:fld id="{8BD5799D-8AC1-7647-9F4D-35F314575207}" type="datetimeFigureOut">
               <a:rPr lang="en-US" smtClean="0"/>
-              <a:t>4/11/17</a:t>
+              <a:t>3/11/19</a:t>
             </a:fld>
             <a:endParaRPr lang="en-US"/>
           </a:p>
@@ -1107,7 +1107,7 @@
           <a:p>
             <a:fld id="{8BD5799D-8AC1-7647-9F4D-35F314575207}" type="datetimeFigureOut">
               <a:rPr lang="en-US" smtClean="0"/>
-              <a:t>4/11/17</a:t>
+              <a:t>3/11/19</a:t>
             </a:fld>
             <a:endParaRPr lang="en-US"/>
           </a:p>
@@ -1277,7 +1277,7 @@
           <a:p>
             <a:fld id="{8BD5799D-8AC1-7647-9F4D-35F314575207}" type="datetimeFigureOut">
               <a:rPr lang="en-US" smtClean="0"/>
-              <a:t>4/11/17</a:t>
+              <a:t>3/11/19</a:t>
             </a:fld>
             <a:endParaRPr lang="en-US"/>
           </a:p>
@@ -1523,7 +1523,7 @@
           <a:p>
             <a:fld id="{8BD5799D-8AC1-7647-9F4D-35F314575207}" type="datetimeFigureOut">
               <a:rPr lang="en-US" smtClean="0"/>
-              <a:t>4/11/17</a:t>
+              <a:t>3/11/19</a:t>
             </a:fld>
             <a:endParaRPr lang="en-US"/>
           </a:p>
@@ -1811,7 +1811,7 @@
           <a:p>
             <a:fld id="{8BD5799D-8AC1-7647-9F4D-35F314575207}" type="datetimeFigureOut">
               <a:rPr lang="en-US" smtClean="0"/>
-              <a:t>4/11/17</a:t>
+              <a:t>3/11/19</a:t>
             </a:fld>
             <a:endParaRPr lang="en-US"/>
           </a:p>
@@ -2233,7 +2233,7 @@
           <a:p>
             <a:fld id="{8BD5799D-8AC1-7647-9F4D-35F314575207}" type="datetimeFigureOut">
               <a:rPr lang="en-US" smtClean="0"/>
-              <a:t>4/11/17</a:t>
+              <a:t>3/11/19</a:t>
             </a:fld>
             <a:endParaRPr lang="en-US"/>
           </a:p>
@@ -2351,7 +2351,7 @@
           <a:p>
             <a:fld id="{8BD5799D-8AC1-7647-9F4D-35F314575207}" type="datetimeFigureOut">
               <a:rPr lang="en-US" smtClean="0"/>
-              <a:t>4/11/17</a:t>
+              <a:t>3/11/19</a:t>
             </a:fld>
             <a:endParaRPr lang="en-US"/>
           </a:p>
@@ -2446,7 +2446,7 @@
           <a:p>
             <a:fld id="{8BD5799D-8AC1-7647-9F4D-35F314575207}" type="datetimeFigureOut">
               <a:rPr lang="en-US" smtClean="0"/>
-              <a:t>4/11/17</a:t>
+              <a:t>3/11/19</a:t>
             </a:fld>
             <a:endParaRPr lang="en-US"/>
           </a:p>
@@ -2723,7 +2723,7 @@
           <a:p>
             <a:fld id="{8BD5799D-8AC1-7647-9F4D-35F314575207}" type="datetimeFigureOut">
               <a:rPr lang="en-US" smtClean="0"/>
-              <a:t>4/11/17</a:t>
+              <a:t>3/11/19</a:t>
             </a:fld>
             <a:endParaRPr lang="en-US"/>
           </a:p>
@@ -2976,7 +2976,7 @@
           <a:p>
             <a:fld id="{8BD5799D-8AC1-7647-9F4D-35F314575207}" type="datetimeFigureOut">
               <a:rPr lang="en-US" smtClean="0"/>
-              <a:t>4/11/17</a:t>
+              <a:t>3/11/19</a:t>
             </a:fld>
             <a:endParaRPr lang="en-US"/>
           </a:p>
@@ -3189,7 +3189,7 @@
           <a:p>
             <a:fld id="{8BD5799D-8AC1-7647-9F4D-35F314575207}" type="datetimeFigureOut">
               <a:rPr lang="en-US" smtClean="0"/>
-              <a:t>4/11/17</a:t>
+              <a:t>3/11/19</a:t>
             </a:fld>
             <a:endParaRPr lang="en-US"/>
           </a:p>
@@ -3989,28 +3989,6 @@
           </a:p>
           <a:p>
             <a:pPr algn="ctr"/>
-            <a:r>
-              <a:rPr lang="es-CL" sz="1200" smtClean="0">
-                <a:solidFill>
-                  <a:schemeClr val="bg1">
-                    <a:lumMod val="75000"/>
-                  </a:schemeClr>
-                </a:solidFill>
-                <a:latin typeface="Trebuchet MS" pitchFamily="34" charset="0"/>
-              </a:rPr>
-              <a:t>Semestre </a:t>
-            </a:r>
-            <a:r>
-              <a:rPr lang="es-CL" sz="1200" smtClean="0">
-                <a:solidFill>
-                  <a:schemeClr val="bg1">
-                    <a:lumMod val="75000"/>
-                  </a:schemeClr>
-                </a:solidFill>
-                <a:latin typeface="Trebuchet MS" pitchFamily="34" charset="0"/>
-              </a:rPr>
-              <a:t>2017-1</a:t>
-            </a:r>
             <a:endParaRPr lang="en-US" sz="1200" dirty="0">
               <a:solidFill>
                 <a:schemeClr val="bg1">
